--- a/Data Mining/Descision Tree/tree.pptx
+++ b/Data Mining/Descision Tree/tree.pptx
@@ -104,6 +104,11 @@
       </a:defRPr>
     </a:lvl9pPr>
   </p:defaultTextStyle>
+  <p:extLst>
+    <p:ext uri="{EFAFB233-063F-42B5-8137-9DF3F51BA10A}">
+      <p15:sldGuideLst xmlns:p15="http://schemas.microsoft.com/office/powerpoint/2012/main"/>
+    </p:ext>
+  </p:extLst>
 </p:presentation>
 </file>
 
@@ -2966,393 +2971,848 @@
           <a:chExt cx="0" cy="0"/>
         </a:xfrm>
       </p:grpSpPr>
-      <p:sp>
-        <p:nvSpPr>
-          <p:cNvPr id="5" name="Oval 4"/>
-          <p:cNvSpPr/>
+      <p:grpSp>
+        <p:nvGrpSpPr>
+          <p:cNvPr id="55" name="Group 54"/>
+          <p:cNvGrpSpPr/>
           <p:nvPr/>
-        </p:nvSpPr>
-        <p:spPr>
+        </p:nvGrpSpPr>
+        <p:grpSpPr>
           <a:xfrm>
-            <a:off x="3868749" y="431390"/>
-            <a:ext cx="1331901" cy="1147751"/>
+            <a:off x="856713" y="431390"/>
+            <a:ext cx="7887775" cy="6541546"/>
+            <a:chOff x="856713" y="431390"/>
+            <a:chExt cx="7887775" cy="6541546"/>
           </a:xfrm>
-          <a:prstGeom prst="ellipse">
-            <a:avLst/>
-          </a:prstGeom>
-        </p:spPr>
-        <p:style>
-          <a:lnRef idx="2">
-            <a:schemeClr val="dk1"/>
-          </a:lnRef>
-          <a:fillRef idx="1">
-            <a:schemeClr val="lt1"/>
-          </a:fillRef>
-          <a:effectRef idx="0">
-            <a:schemeClr val="dk1"/>
-          </a:effectRef>
-          <a:fontRef idx="minor">
-            <a:schemeClr val="dk1"/>
-          </a:fontRef>
-        </p:style>
-        <p:txBody>
-          <a:bodyPr rot="0" spcFirstLastPara="0" vertOverflow="overflow" horzOverflow="overflow" vert="horz" wrap="square" lIns="170688" tIns="85344" rIns="170688" bIns="85344" numCol="1" spcCol="0" rtlCol="0" fromWordArt="0" anchor="ctr" anchorCtr="0" forceAA="0" compatLnSpc="1">
-            <a:prstTxWarp prst="textNoShape">
+        </p:grpSpPr>
+        <p:cxnSp>
+          <p:nvCxnSpPr>
+            <p:cNvPr id="10" name="Straight Arrow Connector 9"/>
+            <p:cNvCxnSpPr>
+              <a:stCxn id="5" idx="3"/>
+              <a:endCxn id="7" idx="0"/>
+            </p:cNvCxnSpPr>
+            <p:nvPr/>
+          </p:nvCxnSpPr>
+          <p:spPr>
+            <a:xfrm flipH="1">
+              <a:off x="2213570" y="1411057"/>
+              <a:ext cx="2116083" cy="1487524"/>
+            </a:xfrm>
+            <a:prstGeom prst="straightConnector1">
               <a:avLst/>
-            </a:prstTxWarp>
-            <a:noAutofit/>
-          </a:bodyPr>
-          <a:lstStyle/>
-          <a:p>
-            <a:pPr algn="ctr"/>
-            <a:r>
-              <a:rPr lang="id-ID" sz="1200" dirty="0" smtClean="0"/>
-              <a:t>1. AGE</a:t>
-            </a:r>
-            <a:endParaRPr lang="en-US" sz="1200" dirty="0"/>
-          </a:p>
-        </p:txBody>
-      </p:sp>
-      <p:sp>
-        <p:nvSpPr>
-          <p:cNvPr id="6" name="Oval 5"/>
-          <p:cNvSpPr/>
-          <p:nvPr/>
-        </p:nvSpPr>
-        <p:spPr>
-          <a:xfrm>
-            <a:off x="3868749" y="2898581"/>
-            <a:ext cx="1331901" cy="1147751"/>
-          </a:xfrm>
-          <a:prstGeom prst="ellipse">
-            <a:avLst/>
-          </a:prstGeom>
-        </p:spPr>
-        <p:style>
-          <a:lnRef idx="2">
-            <a:schemeClr val="dk1"/>
-          </a:lnRef>
-          <a:fillRef idx="1">
-            <a:schemeClr val="lt1"/>
-          </a:fillRef>
-          <a:effectRef idx="0">
-            <a:schemeClr val="dk1"/>
-          </a:effectRef>
-          <a:fontRef idx="minor">
-            <a:schemeClr val="dk1"/>
-          </a:fontRef>
-        </p:style>
-        <p:txBody>
-          <a:bodyPr rot="0" spcFirstLastPara="0" vertOverflow="overflow" horzOverflow="overflow" vert="horz" wrap="square" lIns="170688" tIns="85344" rIns="170688" bIns="85344" numCol="1" spcCol="0" rtlCol="0" fromWordArt="0" anchor="ctr" anchorCtr="0" forceAA="0" compatLnSpc="1">
-            <a:prstTxWarp prst="textNoShape">
+            </a:prstGeom>
+            <a:ln w="12700">
+              <a:tailEnd type="triangle"/>
+            </a:ln>
+          </p:spPr>
+          <p:style>
+            <a:lnRef idx="1">
+              <a:schemeClr val="dk1"/>
+            </a:lnRef>
+            <a:fillRef idx="0">
+              <a:schemeClr val="dk1"/>
+            </a:fillRef>
+            <a:effectRef idx="0">
+              <a:schemeClr val="dk1"/>
+            </a:effectRef>
+            <a:fontRef idx="minor">
+              <a:schemeClr val="tx1"/>
+            </a:fontRef>
+          </p:style>
+        </p:cxnSp>
+        <p:cxnSp>
+          <p:nvCxnSpPr>
+            <p:cNvPr id="11" name="Straight Arrow Connector 10"/>
+            <p:cNvCxnSpPr>
+              <a:stCxn id="5" idx="4"/>
+              <a:endCxn id="6" idx="0"/>
+            </p:cNvCxnSpPr>
+            <p:nvPr/>
+          </p:nvCxnSpPr>
+          <p:spPr>
+            <a:xfrm>
+              <a:off x="4800552" y="1579141"/>
+              <a:ext cx="0" cy="1319440"/>
+            </a:xfrm>
+            <a:prstGeom prst="straightConnector1">
               <a:avLst/>
-            </a:prstTxWarp>
-            <a:noAutofit/>
-          </a:bodyPr>
-          <a:lstStyle/>
-          <a:p>
-            <a:pPr algn="ctr"/>
-            <a:r>
-              <a:rPr lang="id-ID" sz="1200" dirty="0" smtClean="0"/>
-              <a:t>1.2 CREDIT RATING</a:t>
-            </a:r>
-            <a:endParaRPr lang="en-US" sz="1200" dirty="0"/>
-          </a:p>
-        </p:txBody>
-      </p:sp>
-      <p:sp>
-        <p:nvSpPr>
-          <p:cNvPr id="7" name="Oval 6"/>
-          <p:cNvSpPr/>
-          <p:nvPr/>
-        </p:nvSpPr>
-        <p:spPr>
-          <a:xfrm>
-            <a:off x="1281767" y="2898581"/>
-            <a:ext cx="1331901" cy="1147751"/>
-          </a:xfrm>
-          <a:prstGeom prst="ellipse">
-            <a:avLst/>
-          </a:prstGeom>
-        </p:spPr>
-        <p:style>
-          <a:lnRef idx="2">
-            <a:schemeClr val="dk1"/>
-          </a:lnRef>
-          <a:fillRef idx="1">
-            <a:schemeClr val="lt1"/>
-          </a:fillRef>
-          <a:effectRef idx="0">
-            <a:schemeClr val="dk1"/>
-          </a:effectRef>
-          <a:fontRef idx="minor">
-            <a:schemeClr val="dk1"/>
-          </a:fontRef>
-        </p:style>
-        <p:txBody>
-          <a:bodyPr rot="0" spcFirstLastPara="0" vertOverflow="overflow" horzOverflow="overflow" vert="horz" wrap="square" lIns="170688" tIns="85344" rIns="170688" bIns="85344" numCol="1" spcCol="0" rtlCol="0" fromWordArt="0" anchor="ctr" anchorCtr="0" forceAA="0" compatLnSpc="1">
-            <a:prstTxWarp prst="textNoShape">
+            </a:prstGeom>
+            <a:ln w="12700">
+              <a:tailEnd type="triangle"/>
+            </a:ln>
+          </p:spPr>
+          <p:style>
+            <a:lnRef idx="1">
+              <a:schemeClr val="dk1"/>
+            </a:lnRef>
+            <a:fillRef idx="0">
+              <a:schemeClr val="dk1"/>
+            </a:fillRef>
+            <a:effectRef idx="0">
+              <a:schemeClr val="dk1"/>
+            </a:effectRef>
+            <a:fontRef idx="minor">
+              <a:schemeClr val="tx1"/>
+            </a:fontRef>
+          </p:style>
+        </p:cxnSp>
+        <p:cxnSp>
+          <p:nvCxnSpPr>
+            <p:cNvPr id="14" name="Straight Arrow Connector 13"/>
+            <p:cNvCxnSpPr>
+              <a:stCxn id="5" idx="5"/>
+              <a:endCxn id="28" idx="0"/>
+            </p:cNvCxnSpPr>
+            <p:nvPr/>
+          </p:nvCxnSpPr>
+          <p:spPr>
+            <a:xfrm>
+              <a:off x="5271450" y="1411057"/>
+              <a:ext cx="2116132" cy="1487524"/>
+            </a:xfrm>
+            <a:prstGeom prst="straightConnector1">
               <a:avLst/>
-            </a:prstTxWarp>
-            <a:noAutofit/>
-          </a:bodyPr>
-          <a:lstStyle/>
-          <a:p>
-            <a:pPr algn="ctr"/>
-            <a:r>
-              <a:rPr lang="id-ID" sz="1200" dirty="0" smtClean="0"/>
-              <a:t>1.1 STUDENT</a:t>
-            </a:r>
-            <a:endParaRPr lang="en-US" sz="1200" dirty="0"/>
-          </a:p>
-        </p:txBody>
-      </p:sp>
-      <p:cxnSp>
-        <p:nvCxnSpPr>
-          <p:cNvPr id="10" name="Straight Arrow Connector 9"/>
-          <p:cNvCxnSpPr>
-            <a:stCxn id="5" idx="3"/>
-            <a:endCxn id="7" idx="0"/>
-          </p:cNvCxnSpPr>
-          <p:nvPr/>
-        </p:nvCxnSpPr>
-        <p:spPr>
-          <a:xfrm flipH="1">
-            <a:off x="1947718" y="1411057"/>
-            <a:ext cx="2116083" cy="1487524"/>
-          </a:xfrm>
-          <a:prstGeom prst="straightConnector1">
-            <a:avLst/>
-          </a:prstGeom>
-          <a:ln w="12700">
-            <a:tailEnd type="triangle"/>
-          </a:ln>
-        </p:spPr>
-        <p:style>
-          <a:lnRef idx="1">
-            <a:schemeClr val="dk1"/>
-          </a:lnRef>
-          <a:fillRef idx="0">
-            <a:schemeClr val="dk1"/>
-          </a:fillRef>
-          <a:effectRef idx="0">
-            <a:schemeClr val="dk1"/>
-          </a:effectRef>
-          <a:fontRef idx="minor">
-            <a:schemeClr val="tx1"/>
-          </a:fontRef>
-        </p:style>
-      </p:cxnSp>
-      <p:cxnSp>
-        <p:nvCxnSpPr>
-          <p:cNvPr id="11" name="Straight Arrow Connector 10"/>
-          <p:cNvCxnSpPr>
-            <a:stCxn id="5" idx="4"/>
-            <a:endCxn id="6" idx="0"/>
-          </p:cNvCxnSpPr>
-          <p:nvPr/>
-        </p:nvCxnSpPr>
-        <p:spPr>
-          <a:xfrm>
-            <a:off x="4534700" y="1579141"/>
-            <a:ext cx="0" cy="1319440"/>
-          </a:xfrm>
-          <a:prstGeom prst="straightConnector1">
-            <a:avLst/>
-          </a:prstGeom>
-          <a:ln w="12700">
-            <a:tailEnd type="triangle"/>
-          </a:ln>
-        </p:spPr>
-        <p:style>
-          <a:lnRef idx="1">
-            <a:schemeClr val="dk1"/>
-          </a:lnRef>
-          <a:fillRef idx="0">
-            <a:schemeClr val="dk1"/>
-          </a:fillRef>
-          <a:effectRef idx="0">
-            <a:schemeClr val="dk1"/>
-          </a:effectRef>
-          <a:fontRef idx="minor">
-            <a:schemeClr val="tx1"/>
-          </a:fontRef>
-        </p:style>
-      </p:cxnSp>
-      <p:cxnSp>
-        <p:nvCxnSpPr>
-          <p:cNvPr id="14" name="Straight Arrow Connector 13"/>
-          <p:cNvCxnSpPr>
-            <a:stCxn id="5" idx="5"/>
-            <a:endCxn id="28" idx="0"/>
-          </p:cNvCxnSpPr>
-          <p:nvPr/>
-        </p:nvCxnSpPr>
-        <p:spPr>
-          <a:xfrm>
-            <a:off x="5005598" y="1411057"/>
-            <a:ext cx="2116132" cy="1487524"/>
-          </a:xfrm>
-          <a:prstGeom prst="straightConnector1">
-            <a:avLst/>
-          </a:prstGeom>
-          <a:ln w="12700">
-            <a:tailEnd type="triangle"/>
-          </a:ln>
-        </p:spPr>
-        <p:style>
-          <a:lnRef idx="1">
-            <a:schemeClr val="dk1"/>
-          </a:lnRef>
-          <a:fillRef idx="0">
-            <a:schemeClr val="dk1"/>
-          </a:fillRef>
-          <a:effectRef idx="0">
-            <a:schemeClr val="dk1"/>
-          </a:effectRef>
-          <a:fontRef idx="minor">
-            <a:schemeClr val="tx1"/>
-          </a:fontRef>
-        </p:style>
-      </p:cxnSp>
-      <p:sp>
-        <p:nvSpPr>
-          <p:cNvPr id="21" name="TextBox 20"/>
-          <p:cNvSpPr txBox="1"/>
-          <p:nvPr/>
-        </p:nvSpPr>
-        <p:spPr>
-          <a:xfrm>
-            <a:off x="4286844" y="1993249"/>
-            <a:ext cx="418704" cy="276999"/>
-          </a:xfrm>
-          <a:prstGeom prst="rect">
-            <a:avLst/>
-          </a:prstGeom>
-          <a:solidFill>
-            <a:schemeClr val="bg1"/>
-          </a:solidFill>
-        </p:spPr>
-        <p:txBody>
-          <a:bodyPr wrap="none" rtlCol="0">
-            <a:spAutoFit/>
-          </a:bodyPr>
-          <a:lstStyle/>
-          <a:p>
-            <a:r>
-              <a:rPr lang="id-ID" sz="1200" dirty="0" smtClean="0"/>
-              <a:t>&gt;40</a:t>
-            </a:r>
-            <a:endParaRPr lang="en-US" sz="1200" dirty="0"/>
-          </a:p>
-        </p:txBody>
-      </p:sp>
-      <p:sp>
-        <p:nvSpPr>
-          <p:cNvPr id="22" name="TextBox 21"/>
-          <p:cNvSpPr txBox="1"/>
-          <p:nvPr/>
-        </p:nvSpPr>
-        <p:spPr>
-          <a:xfrm>
-            <a:off x="2518418" y="1993249"/>
-            <a:ext cx="530915" cy="276999"/>
-          </a:xfrm>
-          <a:prstGeom prst="rect">
-            <a:avLst/>
-          </a:prstGeom>
-          <a:solidFill>
-            <a:schemeClr val="bg1"/>
-          </a:solidFill>
-        </p:spPr>
-        <p:txBody>
-          <a:bodyPr wrap="none" rtlCol="0">
-            <a:spAutoFit/>
-          </a:bodyPr>
-          <a:lstStyle/>
-          <a:p>
-            <a:r>
-              <a:rPr lang="id-ID" sz="1200" dirty="0" smtClean="0"/>
-              <a:t>&lt;= 30</a:t>
-            </a:r>
-            <a:endParaRPr lang="en-US" sz="1200" dirty="0"/>
-          </a:p>
-        </p:txBody>
-      </p:sp>
-      <p:sp>
-        <p:nvSpPr>
-          <p:cNvPr id="23" name="TextBox 22"/>
-          <p:cNvSpPr txBox="1"/>
-          <p:nvPr/>
-        </p:nvSpPr>
-        <p:spPr>
-          <a:xfrm>
-            <a:off x="5841459" y="1993249"/>
-            <a:ext cx="614271" cy="276999"/>
-          </a:xfrm>
-          <a:prstGeom prst="rect">
-            <a:avLst/>
-          </a:prstGeom>
-          <a:solidFill>
-            <a:schemeClr val="bg1"/>
-          </a:solidFill>
-        </p:spPr>
-        <p:txBody>
-          <a:bodyPr wrap="none" rtlCol="0">
-            <a:spAutoFit/>
-          </a:bodyPr>
-          <a:lstStyle/>
-          <a:p>
-            <a:r>
-              <a:rPr lang="id-ID" sz="1200" dirty="0" smtClean="0"/>
-              <a:t>31...40</a:t>
-            </a:r>
-            <a:endParaRPr lang="en-US" sz="1200" dirty="0"/>
-          </a:p>
-        </p:txBody>
-      </p:sp>
-      <p:sp>
-        <p:nvSpPr>
-          <p:cNvPr id="28" name="Rectangle 27"/>
-          <p:cNvSpPr/>
-          <p:nvPr/>
-        </p:nvSpPr>
-        <p:spPr>
-          <a:xfrm>
-            <a:off x="6455730" y="2898581"/>
-            <a:ext cx="1332000" cy="1148400"/>
-          </a:xfrm>
-          <a:prstGeom prst="rect">
-            <a:avLst/>
-          </a:prstGeom>
-        </p:spPr>
-        <p:style>
-          <a:lnRef idx="2">
-            <a:schemeClr val="dk1"/>
-          </a:lnRef>
-          <a:fillRef idx="1">
-            <a:schemeClr val="lt1"/>
-          </a:fillRef>
-          <a:effectRef idx="0">
-            <a:schemeClr val="dk1"/>
-          </a:effectRef>
-          <a:fontRef idx="minor">
-            <a:schemeClr val="dk1"/>
-          </a:fontRef>
-        </p:style>
-        <p:txBody>
-          <a:bodyPr rtlCol="0" anchor="ctr"/>
-          <a:lstStyle/>
-          <a:p>
-            <a:pPr algn="ctr"/>
-            <a:r>
-              <a:rPr lang="id-ID" dirty="0" smtClean="0"/>
-              <a:t>YES</a:t>
-            </a:r>
-            <a:endParaRPr lang="en-US" dirty="0"/>
-          </a:p>
-        </p:txBody>
-      </p:sp>
+            </a:prstGeom>
+            <a:ln w="12700">
+              <a:tailEnd type="triangle"/>
+            </a:ln>
+          </p:spPr>
+          <p:style>
+            <a:lnRef idx="1">
+              <a:schemeClr val="dk1"/>
+            </a:lnRef>
+            <a:fillRef idx="0">
+              <a:schemeClr val="dk1"/>
+            </a:fillRef>
+            <a:effectRef idx="0">
+              <a:schemeClr val="dk1"/>
+            </a:effectRef>
+            <a:fontRef idx="minor">
+              <a:schemeClr val="tx1"/>
+            </a:fontRef>
+          </p:style>
+        </p:cxnSp>
+        <p:sp>
+          <p:nvSpPr>
+            <p:cNvPr id="21" name="TextBox 20"/>
+            <p:cNvSpPr txBox="1"/>
+            <p:nvPr/>
+          </p:nvSpPr>
+          <p:spPr>
+            <a:xfrm>
+              <a:off x="4286844" y="1993249"/>
+              <a:ext cx="418704" cy="276999"/>
+            </a:xfrm>
+            <a:prstGeom prst="rect">
+              <a:avLst/>
+            </a:prstGeom>
+            <a:solidFill>
+              <a:schemeClr val="bg1"/>
+            </a:solidFill>
+          </p:spPr>
+          <p:txBody>
+            <a:bodyPr wrap="none" rtlCol="0">
+              <a:spAutoFit/>
+            </a:bodyPr>
+            <a:lstStyle/>
+            <a:p>
+              <a:r>
+                <a:rPr lang="id-ID" sz="1200" dirty="0" smtClean="0"/>
+                <a:t>&gt;40</a:t>
+              </a:r>
+              <a:endParaRPr lang="en-US" sz="1200" dirty="0"/>
+            </a:p>
+          </p:txBody>
+        </p:sp>
+        <p:sp>
+          <p:nvSpPr>
+            <p:cNvPr id="22" name="TextBox 21"/>
+            <p:cNvSpPr txBox="1"/>
+            <p:nvPr/>
+          </p:nvSpPr>
+          <p:spPr>
+            <a:xfrm>
+              <a:off x="2518418" y="1993249"/>
+              <a:ext cx="530915" cy="276999"/>
+            </a:xfrm>
+            <a:prstGeom prst="rect">
+              <a:avLst/>
+            </a:prstGeom>
+            <a:solidFill>
+              <a:schemeClr val="bg1"/>
+            </a:solidFill>
+          </p:spPr>
+          <p:txBody>
+            <a:bodyPr wrap="none" rtlCol="0">
+              <a:spAutoFit/>
+            </a:bodyPr>
+            <a:lstStyle/>
+            <a:p>
+              <a:r>
+                <a:rPr lang="id-ID" sz="1200" dirty="0" smtClean="0"/>
+                <a:t>&lt;= 30</a:t>
+              </a:r>
+              <a:endParaRPr lang="en-US" sz="1200" dirty="0"/>
+            </a:p>
+          </p:txBody>
+        </p:sp>
+        <p:sp>
+          <p:nvSpPr>
+            <p:cNvPr id="23" name="TextBox 22"/>
+            <p:cNvSpPr txBox="1"/>
+            <p:nvPr/>
+          </p:nvSpPr>
+          <p:spPr>
+            <a:xfrm>
+              <a:off x="5841459" y="1993249"/>
+              <a:ext cx="614271" cy="276999"/>
+            </a:xfrm>
+            <a:prstGeom prst="rect">
+              <a:avLst/>
+            </a:prstGeom>
+            <a:solidFill>
+              <a:schemeClr val="bg1"/>
+            </a:solidFill>
+          </p:spPr>
+          <p:txBody>
+            <a:bodyPr wrap="none" rtlCol="0">
+              <a:spAutoFit/>
+            </a:bodyPr>
+            <a:lstStyle/>
+            <a:p>
+              <a:r>
+                <a:rPr lang="id-ID" sz="1200" dirty="0" smtClean="0"/>
+                <a:t>31...40</a:t>
+              </a:r>
+              <a:endParaRPr lang="en-US" sz="1200" dirty="0"/>
+            </a:p>
+          </p:txBody>
+        </p:sp>
+        <p:sp>
+          <p:nvSpPr>
+            <p:cNvPr id="5" name="Oval 4"/>
+            <p:cNvSpPr/>
+            <p:nvPr/>
+          </p:nvSpPr>
+          <p:spPr>
+            <a:xfrm>
+              <a:off x="4134601" y="431390"/>
+              <a:ext cx="1331901" cy="1147751"/>
+            </a:xfrm>
+            <a:prstGeom prst="ellipse">
+              <a:avLst/>
+            </a:prstGeom>
+          </p:spPr>
+          <p:style>
+            <a:lnRef idx="2">
+              <a:schemeClr val="dk1"/>
+            </a:lnRef>
+            <a:fillRef idx="1">
+              <a:schemeClr val="lt1"/>
+            </a:fillRef>
+            <a:effectRef idx="0">
+              <a:schemeClr val="dk1"/>
+            </a:effectRef>
+            <a:fontRef idx="minor">
+              <a:schemeClr val="dk1"/>
+            </a:fontRef>
+          </p:style>
+          <p:txBody>
+            <a:bodyPr rot="0" spcFirstLastPara="0" vertOverflow="overflow" horzOverflow="overflow" vert="horz" wrap="square" lIns="170688" tIns="85344" rIns="170688" bIns="85344" numCol="1" spcCol="0" rtlCol="0" fromWordArt="0" anchor="ctr" anchorCtr="0" forceAA="0" compatLnSpc="1">
+              <a:prstTxWarp prst="textNoShape">
+                <a:avLst/>
+              </a:prstTxWarp>
+              <a:noAutofit/>
+            </a:bodyPr>
+            <a:lstStyle/>
+            <a:p>
+              <a:pPr algn="ctr"/>
+              <a:r>
+                <a:rPr lang="id-ID" sz="1200" dirty="0" smtClean="0"/>
+                <a:t>1. AGE</a:t>
+              </a:r>
+              <a:endParaRPr lang="en-US" sz="1200" dirty="0"/>
+            </a:p>
+          </p:txBody>
+        </p:sp>
+        <p:sp>
+          <p:nvSpPr>
+            <p:cNvPr id="6" name="Oval 5"/>
+            <p:cNvSpPr/>
+            <p:nvPr/>
+          </p:nvSpPr>
+          <p:spPr>
+            <a:xfrm>
+              <a:off x="4134601" y="2898581"/>
+              <a:ext cx="1331901" cy="1147751"/>
+            </a:xfrm>
+            <a:prstGeom prst="ellipse">
+              <a:avLst/>
+            </a:prstGeom>
+          </p:spPr>
+          <p:style>
+            <a:lnRef idx="2">
+              <a:schemeClr val="dk1"/>
+            </a:lnRef>
+            <a:fillRef idx="1">
+              <a:schemeClr val="lt1"/>
+            </a:fillRef>
+            <a:effectRef idx="0">
+              <a:schemeClr val="dk1"/>
+            </a:effectRef>
+            <a:fontRef idx="minor">
+              <a:schemeClr val="dk1"/>
+            </a:fontRef>
+          </p:style>
+          <p:txBody>
+            <a:bodyPr rot="0" spcFirstLastPara="0" vertOverflow="overflow" horzOverflow="overflow" vert="horz" wrap="square" lIns="170688" tIns="85344" rIns="170688" bIns="85344" numCol="1" spcCol="0" rtlCol="0" fromWordArt="0" anchor="ctr" anchorCtr="0" forceAA="0" compatLnSpc="1">
+              <a:prstTxWarp prst="textNoShape">
+                <a:avLst/>
+              </a:prstTxWarp>
+              <a:noAutofit/>
+            </a:bodyPr>
+            <a:lstStyle/>
+            <a:p>
+              <a:pPr algn="ctr"/>
+              <a:r>
+                <a:rPr lang="id-ID" sz="1200" dirty="0" smtClean="0"/>
+                <a:t>1.2 CREDIT RATING</a:t>
+              </a:r>
+              <a:endParaRPr lang="en-US" sz="1200" dirty="0"/>
+            </a:p>
+          </p:txBody>
+        </p:sp>
+        <p:sp>
+          <p:nvSpPr>
+            <p:cNvPr id="7" name="Oval 6"/>
+            <p:cNvSpPr/>
+            <p:nvPr/>
+          </p:nvSpPr>
+          <p:spPr>
+            <a:xfrm>
+              <a:off x="1547619" y="2898581"/>
+              <a:ext cx="1331901" cy="1147751"/>
+            </a:xfrm>
+            <a:prstGeom prst="ellipse">
+              <a:avLst/>
+            </a:prstGeom>
+          </p:spPr>
+          <p:style>
+            <a:lnRef idx="2">
+              <a:schemeClr val="dk1"/>
+            </a:lnRef>
+            <a:fillRef idx="1">
+              <a:schemeClr val="lt1"/>
+            </a:fillRef>
+            <a:effectRef idx="0">
+              <a:schemeClr val="dk1"/>
+            </a:effectRef>
+            <a:fontRef idx="minor">
+              <a:schemeClr val="dk1"/>
+            </a:fontRef>
+          </p:style>
+          <p:txBody>
+            <a:bodyPr rot="0" spcFirstLastPara="0" vertOverflow="overflow" horzOverflow="overflow" vert="horz" wrap="square" lIns="170688" tIns="85344" rIns="170688" bIns="85344" numCol="1" spcCol="0" rtlCol="0" fromWordArt="0" anchor="ctr" anchorCtr="0" forceAA="0" compatLnSpc="1">
+              <a:prstTxWarp prst="textNoShape">
+                <a:avLst/>
+              </a:prstTxWarp>
+              <a:noAutofit/>
+            </a:bodyPr>
+            <a:lstStyle/>
+            <a:p>
+              <a:pPr algn="ctr"/>
+              <a:r>
+                <a:rPr lang="id-ID" sz="1200" dirty="0" smtClean="0"/>
+                <a:t>1.1 STUDENT</a:t>
+              </a:r>
+              <a:endParaRPr lang="en-US" sz="1200" dirty="0"/>
+            </a:p>
+          </p:txBody>
+        </p:sp>
+        <p:sp>
+          <p:nvSpPr>
+            <p:cNvPr id="28" name="Rectangle 27"/>
+            <p:cNvSpPr/>
+            <p:nvPr/>
+          </p:nvSpPr>
+          <p:spPr>
+            <a:xfrm>
+              <a:off x="6721582" y="2898581"/>
+              <a:ext cx="1332000" cy="1148400"/>
+            </a:xfrm>
+            <a:prstGeom prst="rect">
+              <a:avLst/>
+            </a:prstGeom>
+          </p:spPr>
+          <p:style>
+            <a:lnRef idx="2">
+              <a:schemeClr val="dk1"/>
+            </a:lnRef>
+            <a:fillRef idx="1">
+              <a:schemeClr val="lt1"/>
+            </a:fillRef>
+            <a:effectRef idx="0">
+              <a:schemeClr val="dk1"/>
+            </a:effectRef>
+            <a:fontRef idx="minor">
+              <a:schemeClr val="dk1"/>
+            </a:fontRef>
+          </p:style>
+          <p:txBody>
+            <a:bodyPr rtlCol="0" anchor="ctr"/>
+            <a:lstStyle/>
+            <a:p>
+              <a:pPr algn="ctr"/>
+              <a:r>
+                <a:rPr lang="id-ID" dirty="0" smtClean="0"/>
+                <a:t>YES</a:t>
+              </a:r>
+              <a:endParaRPr lang="en-US" dirty="0"/>
+            </a:p>
+          </p:txBody>
+        </p:sp>
+        <p:cxnSp>
+          <p:nvCxnSpPr>
+            <p:cNvPr id="12" name="Straight Arrow Connector 11"/>
+            <p:cNvCxnSpPr>
+              <a:stCxn id="7" idx="4"/>
+              <a:endCxn id="41" idx="0"/>
+            </p:cNvCxnSpPr>
+            <p:nvPr/>
+          </p:nvCxnSpPr>
+          <p:spPr>
+            <a:xfrm flipH="1">
+              <a:off x="1522713" y="4046332"/>
+              <a:ext cx="690857" cy="1778204"/>
+            </a:xfrm>
+            <a:prstGeom prst="straightConnector1">
+              <a:avLst/>
+            </a:prstGeom>
+            <a:ln w="12700">
+              <a:tailEnd type="triangle"/>
+            </a:ln>
+          </p:spPr>
+          <p:style>
+            <a:lnRef idx="1">
+              <a:schemeClr val="dk1"/>
+            </a:lnRef>
+            <a:fillRef idx="0">
+              <a:schemeClr val="dk1"/>
+            </a:fillRef>
+            <a:effectRef idx="0">
+              <a:schemeClr val="dk1"/>
+            </a:effectRef>
+            <a:fontRef idx="minor">
+              <a:schemeClr val="tx1"/>
+            </a:fontRef>
+          </p:style>
+        </p:cxnSp>
+        <p:cxnSp>
+          <p:nvCxnSpPr>
+            <p:cNvPr id="17" name="Straight Arrow Connector 16"/>
+            <p:cNvCxnSpPr>
+              <a:stCxn id="7" idx="4"/>
+              <a:endCxn id="43" idx="0"/>
+            </p:cNvCxnSpPr>
+            <p:nvPr/>
+          </p:nvCxnSpPr>
+          <p:spPr>
+            <a:xfrm>
+              <a:off x="2213570" y="4046332"/>
+              <a:ext cx="1494401" cy="1778204"/>
+            </a:xfrm>
+            <a:prstGeom prst="straightConnector1">
+              <a:avLst/>
+            </a:prstGeom>
+            <a:ln w="12700">
+              <a:tailEnd type="triangle"/>
+            </a:ln>
+          </p:spPr>
+          <p:style>
+            <a:lnRef idx="1">
+              <a:schemeClr val="dk1"/>
+            </a:lnRef>
+            <a:fillRef idx="0">
+              <a:schemeClr val="dk1"/>
+            </a:fillRef>
+            <a:effectRef idx="0">
+              <a:schemeClr val="dk1"/>
+            </a:effectRef>
+            <a:fontRef idx="minor">
+              <a:schemeClr val="tx1"/>
+            </a:fontRef>
+          </p:style>
+        </p:cxnSp>
+        <p:cxnSp>
+          <p:nvCxnSpPr>
+            <p:cNvPr id="27" name="Straight Arrow Connector 26"/>
+            <p:cNvCxnSpPr>
+              <a:stCxn id="6" idx="4"/>
+              <a:endCxn id="47" idx="0"/>
+            </p:cNvCxnSpPr>
+            <p:nvPr/>
+          </p:nvCxnSpPr>
+          <p:spPr>
+            <a:xfrm>
+              <a:off x="4800552" y="4046332"/>
+              <a:ext cx="1092677" cy="1778204"/>
+            </a:xfrm>
+            <a:prstGeom prst="straightConnector1">
+              <a:avLst/>
+            </a:prstGeom>
+            <a:ln w="12700">
+              <a:tailEnd type="triangle"/>
+            </a:ln>
+          </p:spPr>
+          <p:style>
+            <a:lnRef idx="1">
+              <a:schemeClr val="dk1"/>
+            </a:lnRef>
+            <a:fillRef idx="0">
+              <a:schemeClr val="dk1"/>
+            </a:fillRef>
+            <a:effectRef idx="0">
+              <a:schemeClr val="dk1"/>
+            </a:effectRef>
+            <a:fontRef idx="minor">
+              <a:schemeClr val="tx1"/>
+            </a:fontRef>
+          </p:style>
+        </p:cxnSp>
+        <p:cxnSp>
+          <p:nvCxnSpPr>
+            <p:cNvPr id="31" name="Straight Arrow Connector 30"/>
+            <p:cNvCxnSpPr>
+              <a:stCxn id="6" idx="5"/>
+              <a:endCxn id="48" idx="0"/>
+            </p:cNvCxnSpPr>
+            <p:nvPr/>
+          </p:nvCxnSpPr>
+          <p:spPr>
+            <a:xfrm>
+              <a:off x="5271450" y="3878248"/>
+              <a:ext cx="2807038" cy="1946288"/>
+            </a:xfrm>
+            <a:prstGeom prst="straightConnector1">
+              <a:avLst/>
+            </a:prstGeom>
+            <a:ln w="12700">
+              <a:tailEnd type="triangle"/>
+            </a:ln>
+          </p:spPr>
+          <p:style>
+            <a:lnRef idx="1">
+              <a:schemeClr val="dk1"/>
+            </a:lnRef>
+            <a:fillRef idx="0">
+              <a:schemeClr val="dk1"/>
+            </a:fillRef>
+            <a:effectRef idx="0">
+              <a:schemeClr val="dk1"/>
+            </a:effectRef>
+            <a:fontRef idx="minor">
+              <a:schemeClr val="tx1"/>
+            </a:fontRef>
+          </p:style>
+        </p:cxnSp>
+        <p:sp>
+          <p:nvSpPr>
+            <p:cNvPr id="38" name="TextBox 37"/>
+            <p:cNvSpPr txBox="1"/>
+            <p:nvPr/>
+          </p:nvSpPr>
+          <p:spPr>
+            <a:xfrm>
+              <a:off x="2615293" y="4674665"/>
+              <a:ext cx="389594" cy="276999"/>
+            </a:xfrm>
+            <a:prstGeom prst="rect">
+              <a:avLst/>
+            </a:prstGeom>
+            <a:solidFill>
+              <a:schemeClr val="bg1"/>
+            </a:solidFill>
+          </p:spPr>
+          <p:txBody>
+            <a:bodyPr wrap="none" rtlCol="0">
+              <a:spAutoFit/>
+            </a:bodyPr>
+            <a:lstStyle/>
+            <a:p>
+              <a:r>
+                <a:rPr lang="id-ID" sz="1200" dirty="0" smtClean="0"/>
+                <a:t>yes</a:t>
+              </a:r>
+              <a:endParaRPr lang="en-US" sz="1200" dirty="0"/>
+            </a:p>
+          </p:txBody>
+        </p:sp>
+        <p:sp>
+          <p:nvSpPr>
+            <p:cNvPr id="39" name="TextBox 38"/>
+            <p:cNvSpPr txBox="1"/>
+            <p:nvPr/>
+          </p:nvSpPr>
+          <p:spPr>
+            <a:xfrm>
+              <a:off x="1760064" y="4674666"/>
+              <a:ext cx="346570" cy="276999"/>
+            </a:xfrm>
+            <a:prstGeom prst="rect">
+              <a:avLst/>
+            </a:prstGeom>
+            <a:solidFill>
+              <a:schemeClr val="bg1"/>
+            </a:solidFill>
+          </p:spPr>
+          <p:txBody>
+            <a:bodyPr wrap="none" rtlCol="0">
+              <a:spAutoFit/>
+            </a:bodyPr>
+            <a:lstStyle/>
+            <a:p>
+              <a:r>
+                <a:rPr lang="id-ID" sz="1200" dirty="0" smtClean="0"/>
+                <a:t>no</a:t>
+              </a:r>
+              <a:endParaRPr lang="en-US" sz="1200" dirty="0"/>
+            </a:p>
+          </p:txBody>
+        </p:sp>
+        <p:sp>
+          <p:nvSpPr>
+            <p:cNvPr id="45" name="TextBox 44"/>
+            <p:cNvSpPr txBox="1"/>
+            <p:nvPr/>
+          </p:nvSpPr>
+          <p:spPr>
+            <a:xfrm>
+              <a:off x="4921188" y="4567870"/>
+              <a:ext cx="743345" cy="276999"/>
+            </a:xfrm>
+            <a:prstGeom prst="rect">
+              <a:avLst/>
+            </a:prstGeom>
+            <a:solidFill>
+              <a:schemeClr val="bg1"/>
+            </a:solidFill>
+          </p:spPr>
+          <p:txBody>
+            <a:bodyPr wrap="none" rtlCol="0">
+              <a:spAutoFit/>
+            </a:bodyPr>
+            <a:lstStyle/>
+            <a:p>
+              <a:r>
+                <a:rPr lang="id-ID" sz="1200" dirty="0" smtClean="0"/>
+                <a:t>excellent</a:t>
+              </a:r>
+              <a:endParaRPr lang="en-US" sz="1200" dirty="0"/>
+            </a:p>
+          </p:txBody>
+        </p:sp>
+        <p:sp>
+          <p:nvSpPr>
+            <p:cNvPr id="46" name="TextBox 45"/>
+            <p:cNvSpPr txBox="1"/>
+            <p:nvPr/>
+          </p:nvSpPr>
+          <p:spPr>
+            <a:xfrm>
+              <a:off x="6311191" y="4567870"/>
+              <a:ext cx="390043" cy="276999"/>
+            </a:xfrm>
+            <a:prstGeom prst="rect">
+              <a:avLst/>
+            </a:prstGeom>
+            <a:solidFill>
+              <a:schemeClr val="bg1"/>
+            </a:solidFill>
+          </p:spPr>
+          <p:txBody>
+            <a:bodyPr wrap="none" rtlCol="0">
+              <a:spAutoFit/>
+            </a:bodyPr>
+            <a:lstStyle/>
+            <a:p>
+              <a:r>
+                <a:rPr lang="id-ID" sz="1200" dirty="0" smtClean="0"/>
+                <a:t>fair</a:t>
+              </a:r>
+              <a:endParaRPr lang="en-US" sz="1200" dirty="0"/>
+            </a:p>
+          </p:txBody>
+        </p:sp>
+        <p:sp>
+          <p:nvSpPr>
+            <p:cNvPr id="41" name="Rectangle 40"/>
+            <p:cNvSpPr/>
+            <p:nvPr/>
+          </p:nvSpPr>
+          <p:spPr>
+            <a:xfrm>
+              <a:off x="856713" y="5824536"/>
+              <a:ext cx="1332000" cy="1148400"/>
+            </a:xfrm>
+            <a:prstGeom prst="rect">
+              <a:avLst/>
+            </a:prstGeom>
+          </p:spPr>
+          <p:style>
+            <a:lnRef idx="2">
+              <a:schemeClr val="dk1"/>
+            </a:lnRef>
+            <a:fillRef idx="1">
+              <a:schemeClr val="lt1"/>
+            </a:fillRef>
+            <a:effectRef idx="0">
+              <a:schemeClr val="dk1"/>
+            </a:effectRef>
+            <a:fontRef idx="minor">
+              <a:schemeClr val="dk1"/>
+            </a:fontRef>
+          </p:style>
+          <p:txBody>
+            <a:bodyPr rtlCol="0" anchor="ctr"/>
+            <a:lstStyle/>
+            <a:p>
+              <a:pPr algn="ctr"/>
+              <a:r>
+                <a:rPr lang="id-ID" dirty="0" smtClean="0"/>
+                <a:t>NO</a:t>
+              </a:r>
+              <a:endParaRPr lang="en-US" dirty="0"/>
+            </a:p>
+          </p:txBody>
+        </p:sp>
+        <p:sp>
+          <p:nvSpPr>
+            <p:cNvPr id="43" name="Rectangle 42"/>
+            <p:cNvSpPr/>
+            <p:nvPr/>
+          </p:nvSpPr>
+          <p:spPr>
+            <a:xfrm>
+              <a:off x="3041971" y="5824536"/>
+              <a:ext cx="1332000" cy="1148400"/>
+            </a:xfrm>
+            <a:prstGeom prst="rect">
+              <a:avLst/>
+            </a:prstGeom>
+          </p:spPr>
+          <p:style>
+            <a:lnRef idx="2">
+              <a:schemeClr val="dk1"/>
+            </a:lnRef>
+            <a:fillRef idx="1">
+              <a:schemeClr val="lt1"/>
+            </a:fillRef>
+            <a:effectRef idx="0">
+              <a:schemeClr val="dk1"/>
+            </a:effectRef>
+            <a:fontRef idx="minor">
+              <a:schemeClr val="dk1"/>
+            </a:fontRef>
+          </p:style>
+          <p:txBody>
+            <a:bodyPr rtlCol="0" anchor="ctr"/>
+            <a:lstStyle/>
+            <a:p>
+              <a:pPr algn="ctr"/>
+              <a:r>
+                <a:rPr lang="id-ID" dirty="0" smtClean="0"/>
+                <a:t>YES</a:t>
+              </a:r>
+              <a:endParaRPr lang="en-US" dirty="0"/>
+            </a:p>
+          </p:txBody>
+        </p:sp>
+        <p:sp>
+          <p:nvSpPr>
+            <p:cNvPr id="47" name="Rectangle 46"/>
+            <p:cNvSpPr/>
+            <p:nvPr/>
+          </p:nvSpPr>
+          <p:spPr>
+            <a:xfrm>
+              <a:off x="5227229" y="5824536"/>
+              <a:ext cx="1332000" cy="1148400"/>
+            </a:xfrm>
+            <a:prstGeom prst="rect">
+              <a:avLst/>
+            </a:prstGeom>
+          </p:spPr>
+          <p:style>
+            <a:lnRef idx="2">
+              <a:schemeClr val="dk1"/>
+            </a:lnRef>
+            <a:fillRef idx="1">
+              <a:schemeClr val="lt1"/>
+            </a:fillRef>
+            <a:effectRef idx="0">
+              <a:schemeClr val="dk1"/>
+            </a:effectRef>
+            <a:fontRef idx="minor">
+              <a:schemeClr val="dk1"/>
+            </a:fontRef>
+          </p:style>
+          <p:txBody>
+            <a:bodyPr rtlCol="0" anchor="ctr"/>
+            <a:lstStyle/>
+            <a:p>
+              <a:pPr algn="ctr"/>
+              <a:r>
+                <a:rPr lang="id-ID" dirty="0" smtClean="0"/>
+                <a:t>NO</a:t>
+              </a:r>
+              <a:endParaRPr lang="en-US" dirty="0"/>
+            </a:p>
+          </p:txBody>
+        </p:sp>
+        <p:sp>
+          <p:nvSpPr>
+            <p:cNvPr id="48" name="Rectangle 47"/>
+            <p:cNvSpPr/>
+            <p:nvPr/>
+          </p:nvSpPr>
+          <p:spPr>
+            <a:xfrm>
+              <a:off x="7412488" y="5824536"/>
+              <a:ext cx="1332000" cy="1148400"/>
+            </a:xfrm>
+            <a:prstGeom prst="rect">
+              <a:avLst/>
+            </a:prstGeom>
+          </p:spPr>
+          <p:style>
+            <a:lnRef idx="2">
+              <a:schemeClr val="dk1"/>
+            </a:lnRef>
+            <a:fillRef idx="1">
+              <a:schemeClr val="lt1"/>
+            </a:fillRef>
+            <a:effectRef idx="0">
+              <a:schemeClr val="dk1"/>
+            </a:effectRef>
+            <a:fontRef idx="minor">
+              <a:schemeClr val="dk1"/>
+            </a:fontRef>
+          </p:style>
+          <p:txBody>
+            <a:bodyPr rtlCol="0" anchor="ctr"/>
+            <a:lstStyle/>
+            <a:p>
+              <a:pPr algn="ctr"/>
+              <a:r>
+                <a:rPr lang="id-ID" dirty="0" smtClean="0"/>
+                <a:t>YES</a:t>
+              </a:r>
+              <a:endParaRPr lang="en-US" dirty="0"/>
+            </a:p>
+          </p:txBody>
+        </p:sp>
+      </p:grpSp>
     </p:spTree>
     <p:extLst>
       <p:ext uri="{BB962C8B-B14F-4D97-AF65-F5344CB8AC3E}">
